--- a/presentation.pptx
+++ b/presentation.pptx
@@ -9,9 +9,9 @@
     <p:sldId id="257" r:id="rId3"/>
     <p:sldId id="264" r:id="rId4"/>
     <p:sldId id="265" r:id="rId5"/>
-    <p:sldId id="258" r:id="rId6"/>
-    <p:sldId id="259" r:id="rId7"/>
-    <p:sldId id="260" r:id="rId8"/>
+    <p:sldId id="260" r:id="rId6"/>
+    <p:sldId id="258" r:id="rId7"/>
+    <p:sldId id="259" r:id="rId8"/>
     <p:sldId id="263" r:id="rId9"/>
   </p:sldIdLst>
   <p:sldSz cx="12192000" cy="6858000"/>
@@ -122,7 +122,7 @@
 <file path=ppt/revisionInfo.xml><?xml version="1.0" encoding="utf-8"?>
 <p1510:revInfo xmlns:a="http://schemas.openxmlformats.org/drawingml/2006/main" xmlns:r="http://schemas.openxmlformats.org/officeDocument/2006/relationships" xmlns:p1510="http://schemas.microsoft.com/office/powerpoint/2015/10/main">
   <p1510:revLst>
-    <p1510:client id="{365E4395-8C5C-490A-BD42-E59DB47A1555}" v="243" dt="2022-05-02T23:57:30.089"/>
+    <p1510:client id="{365E4395-8C5C-490A-BD42-E59DB47A1555}" v="260" dt="2022-05-03T00:02:21.205"/>
   </p1510:revLst>
 </p1510:revInfo>
 </file>
@@ -3489,12 +3489,14 @@
         </p:nvSpPr>
         <p:spPr/>
         <p:txBody>
-          <a:bodyPr/>
+          <a:bodyPr vert="horz" lIns="91440" tIns="45720" rIns="91440" bIns="45720" rtlCol="0" anchor="t">
+            <a:normAutofit/>
+          </a:bodyPr>
           <a:lstStyle/>
           <a:p>
             <a:r>
               <a:rPr lang="ru-RU" dirty="0"/>
-              <a:t>Иванов Александр, 10-8</a:t>
+              <a:t>Бакиров Султан, 10-3</a:t>
             </a:r>
           </a:p>
         </p:txBody>
@@ -7796,6 +7798,99 @@
           <p:cNvPr id="2" name="Заголовок 1">
             <a:extLst>
               <a:ext uri="{FF2B5EF4-FFF2-40B4-BE49-F238E27FC236}">
+                <a16:creationId xmlns:a16="http://schemas.microsoft.com/office/drawing/2014/main" id="{EEDD4578-AE79-41B4-A8EA-BF7E49F96AEC}"/>
+              </a:ext>
+            </a:extLst>
+          </p:cNvPr>
+          <p:cNvSpPr>
+            <a:spLocks noGrp="1"/>
+          </p:cNvSpPr>
+          <p:nvPr>
+            <p:ph type="title"/>
+          </p:nvPr>
+        </p:nvSpPr>
+        <p:spPr>
+          <a:xfrm>
+            <a:off x="1252226" y="259659"/>
+            <a:ext cx="9692640" cy="1325562"/>
+          </a:xfrm>
+        </p:spPr>
+        <p:txBody>
+          <a:bodyPr/>
+          <a:lstStyle/>
+          <a:p>
+            <a:r>
+              <a:rPr lang="ru-RU" dirty="0"/>
+              <a:t>Структуры данных</a:t>
+            </a:r>
+          </a:p>
+        </p:txBody>
+      </p:sp>
+      <p:pic>
+        <p:nvPicPr>
+          <p:cNvPr id="5" name="Рисунок 5">
+            <a:extLst>
+              <a:ext uri="{FF2B5EF4-FFF2-40B4-BE49-F238E27FC236}">
+                <a16:creationId xmlns:a16="http://schemas.microsoft.com/office/drawing/2014/main" id="{0399FEDC-1EB5-BA36-7051-5BB0291A0370}"/>
+              </a:ext>
+            </a:extLst>
+          </p:cNvPr>
+          <p:cNvPicPr>
+            <a:picLocks noChangeAspect="1"/>
+          </p:cNvPicPr>
+          <p:nvPr/>
+        </p:nvPicPr>
+        <p:blipFill>
+          <a:blip r:embed="rId2"/>
+          <a:stretch>
+            <a:fillRect/>
+          </a:stretch>
+        </p:blipFill>
+        <p:spPr>
+          <a:xfrm>
+            <a:off x="2573438" y="2076596"/>
+            <a:ext cx="6476035" cy="3842986"/>
+          </a:xfrm>
+          <a:prstGeom prst="rect">
+            <a:avLst/>
+          </a:prstGeom>
+        </p:spPr>
+      </p:pic>
+    </p:spTree>
+    <p:extLst>
+      <p:ext uri="{BB962C8B-B14F-4D97-AF65-F5344CB8AC3E}">
+        <p14:creationId xmlns:p14="http://schemas.microsoft.com/office/powerpoint/2010/main" val="2467129086"/>
+      </p:ext>
+    </p:extLst>
+  </p:cSld>
+  <p:clrMapOvr>
+    <a:masterClrMapping/>
+  </p:clrMapOvr>
+</p:sld>
+</file>
+
+<file path=ppt/slides/slide6.xml><?xml version="1.0" encoding="utf-8"?>
+<p:sld xmlns:a="http://schemas.openxmlformats.org/drawingml/2006/main" xmlns:r="http://schemas.openxmlformats.org/officeDocument/2006/relationships" xmlns:p="http://schemas.openxmlformats.org/presentationml/2006/main">
+  <p:cSld>
+    <p:spTree>
+      <p:nvGrpSpPr>
+        <p:cNvPr id="1" name=""/>
+        <p:cNvGrpSpPr/>
+        <p:nvPr/>
+      </p:nvGrpSpPr>
+      <p:grpSpPr>
+        <a:xfrm>
+          <a:off x="0" y="0"/>
+          <a:ext cx="0" cy="0"/>
+          <a:chOff x="0" y="0"/>
+          <a:chExt cx="0" cy="0"/>
+        </a:xfrm>
+      </p:grpSpPr>
+      <p:sp>
+        <p:nvSpPr>
+          <p:cNvPr id="2" name="Заголовок 1">
+            <a:extLst>
+              <a:ext uri="{FF2B5EF4-FFF2-40B4-BE49-F238E27FC236}">
                 <a16:creationId xmlns:a16="http://schemas.microsoft.com/office/drawing/2014/main" id="{06EC7EC1-8F27-4630-B670-3D8709DE4B12}"/>
               </a:ext>
             </a:extLst>
@@ -7891,7 +7986,7 @@
 </p:sld>
 </file>
 
-<file path=ppt/slides/slide6.xml><?xml version="1.0" encoding="utf-8"?>
+<file path=ppt/slides/slide7.xml><?xml version="1.0" encoding="utf-8"?>
 <p:sld xmlns:a="http://schemas.openxmlformats.org/drawingml/2006/main" xmlns:r="http://schemas.openxmlformats.org/officeDocument/2006/relationships" xmlns:p="http://schemas.openxmlformats.org/presentationml/2006/main">
   <p:cSld>
     <p:spTree>
@@ -8263,99 +8358,6 @@
 </p:sld>
 </file>
 
-<file path=ppt/slides/slide7.xml><?xml version="1.0" encoding="utf-8"?>
-<p:sld xmlns:a="http://schemas.openxmlformats.org/drawingml/2006/main" xmlns:r="http://schemas.openxmlformats.org/officeDocument/2006/relationships" xmlns:p="http://schemas.openxmlformats.org/presentationml/2006/main">
-  <p:cSld>
-    <p:spTree>
-      <p:nvGrpSpPr>
-        <p:cNvPr id="1" name=""/>
-        <p:cNvGrpSpPr/>
-        <p:nvPr/>
-      </p:nvGrpSpPr>
-      <p:grpSpPr>
-        <a:xfrm>
-          <a:off x="0" y="0"/>
-          <a:ext cx="0" cy="0"/>
-          <a:chOff x="0" y="0"/>
-          <a:chExt cx="0" cy="0"/>
-        </a:xfrm>
-      </p:grpSpPr>
-      <p:sp>
-        <p:nvSpPr>
-          <p:cNvPr id="2" name="Заголовок 1">
-            <a:extLst>
-              <a:ext uri="{FF2B5EF4-FFF2-40B4-BE49-F238E27FC236}">
-                <a16:creationId xmlns:a16="http://schemas.microsoft.com/office/drawing/2014/main" id="{EEDD4578-AE79-41B4-A8EA-BF7E49F96AEC}"/>
-              </a:ext>
-            </a:extLst>
-          </p:cNvPr>
-          <p:cNvSpPr>
-            <a:spLocks noGrp="1"/>
-          </p:cNvSpPr>
-          <p:nvPr>
-            <p:ph type="title"/>
-          </p:nvPr>
-        </p:nvSpPr>
-        <p:spPr>
-          <a:xfrm>
-            <a:off x="1252226" y="259659"/>
-            <a:ext cx="9692640" cy="1325562"/>
-          </a:xfrm>
-        </p:spPr>
-        <p:txBody>
-          <a:bodyPr/>
-          <a:lstStyle/>
-          <a:p>
-            <a:r>
-              <a:rPr lang="ru-RU" dirty="0"/>
-              <a:t>Структуры данных</a:t>
-            </a:r>
-          </a:p>
-        </p:txBody>
-      </p:sp>
-      <p:pic>
-        <p:nvPicPr>
-          <p:cNvPr id="5" name="Рисунок 5">
-            <a:extLst>
-              <a:ext uri="{FF2B5EF4-FFF2-40B4-BE49-F238E27FC236}">
-                <a16:creationId xmlns:a16="http://schemas.microsoft.com/office/drawing/2014/main" id="{0399FEDC-1EB5-BA36-7051-5BB0291A0370}"/>
-              </a:ext>
-            </a:extLst>
-          </p:cNvPr>
-          <p:cNvPicPr>
-            <a:picLocks noChangeAspect="1"/>
-          </p:cNvPicPr>
-          <p:nvPr/>
-        </p:nvPicPr>
-        <p:blipFill>
-          <a:blip r:embed="rId2"/>
-          <a:stretch>
-            <a:fillRect/>
-          </a:stretch>
-        </p:blipFill>
-        <p:spPr>
-          <a:xfrm>
-            <a:off x="2573438" y="2076596"/>
-            <a:ext cx="6476035" cy="3842986"/>
-          </a:xfrm>
-          <a:prstGeom prst="rect">
-            <a:avLst/>
-          </a:prstGeom>
-        </p:spPr>
-      </p:pic>
-    </p:spTree>
-    <p:extLst>
-      <p:ext uri="{BB962C8B-B14F-4D97-AF65-F5344CB8AC3E}">
-        <p14:creationId xmlns:p14="http://schemas.microsoft.com/office/powerpoint/2010/main" val="2467129086"/>
-      </p:ext>
-    </p:extLst>
-  </p:cSld>
-  <p:clrMapOvr>
-    <a:masterClrMapping/>
-  </p:clrMapOvr>
-</p:sld>
-</file>
-
 <file path=ppt/slides/slide8.xml><?xml version="1.0" encoding="utf-8"?>
 <p:sld xmlns:a="http://schemas.openxmlformats.org/drawingml/2006/main" xmlns:r="http://schemas.openxmlformats.org/officeDocument/2006/relationships" xmlns:p="http://schemas.openxmlformats.org/presentationml/2006/main">
   <p:cSld>
